--- a/Proposal.pptx
+++ b/Proposal.pptx
@@ -12950,7 +12950,15 @@
             <a:pPr lvl="1"/>
             <a:r>
               <a:rPr lang="en-US" dirty="0"/>
-              <a:t>Directed Edges between Related Videos</a:t>
+              <a:t>Directed </a:t>
+            </a:r>
+            <a:r>
+              <a:rPr lang="en-US"/>
+              <a:t>Edges to </a:t>
+            </a:r>
+            <a:r>
+              <a:rPr lang="en-US" dirty="0"/>
+              <a:t>Related Videos</a:t>
             </a:r>
           </a:p>
           <a:p>

--- a/Proposal.pptx
+++ b/Proposal.pptx
@@ -116,6 +116,11 @@
       </a:defRPr>
     </a:lvl9pPr>
   </p:defaultTextStyle>
+  <p:extLst>
+    <p:ext uri="{EFAFB233-063F-42B5-8137-9DF3F51BA10A}">
+      <p15:sldGuideLst xmlns:p15="http://schemas.microsoft.com/office/powerpoint/2012/main"/>
+    </p:ext>
+  </p:extLst>
 </p:presentation>
 </file>
 
@@ -296,7 +301,6 @@
               <a:rPr lang="en-US"/>
               <a:t>Fifth level</a:t>
             </a:r>
-            <a:endParaRPr lang="en-US"/>
           </a:p>
         </p:txBody>
       </p:sp>
@@ -526,7 +530,7 @@
           <a:noFill/>
           <a:extLst>
             <a:ext uri="{909E8E84-426E-40dd-AFC4-6F175D3DCCD1}">
-              <a14:hiddenFill xmlns:a14="http://schemas.microsoft.com/office/drawing/2010/main" xmlns="">
+              <a14:hiddenFill xmlns="" xmlns:a14="http://schemas.microsoft.com/office/drawing/2010/main">
                 <a:solidFill>
                   <a:srgbClr val="FFFFFF"/>
                 </a:solidFill>
@@ -585,7 +589,7 @@
             </a:ln>
             <a:extLst>
               <a:ext uri="{91240B29-F687-4f45-9708-019B960494DF}">
-                <a14:hiddenLine xmlns:a14="http://schemas.microsoft.com/office/drawing/2010/main" xmlns="" w="9525">
+                <a14:hiddenLine xmlns="" xmlns:a14="http://schemas.microsoft.com/office/drawing/2010/main" w="9525">
                   <a:solidFill>
                     <a:srgbClr val="000000"/>
                   </a:solidFill>
@@ -675,7 +679,7 @@
             </a:ln>
             <a:extLst>
               <a:ext uri="{91240B29-F687-4f45-9708-019B960494DF}">
-                <a14:hiddenLine xmlns:a14="http://schemas.microsoft.com/office/drawing/2010/main" xmlns="" w="9525">
+                <a14:hiddenLine xmlns="" xmlns:a14="http://schemas.microsoft.com/office/drawing/2010/main" w="9525">
                   <a:solidFill>
                     <a:srgbClr val="000000"/>
                   </a:solidFill>
@@ -765,7 +769,7 @@
             </a:ln>
             <a:extLst>
               <a:ext uri="{91240B29-F687-4f45-9708-019B960494DF}">
-                <a14:hiddenLine xmlns:a14="http://schemas.microsoft.com/office/drawing/2010/main" xmlns="" w="9525">
+                <a14:hiddenLine xmlns="" xmlns:a14="http://schemas.microsoft.com/office/drawing/2010/main" w="9525">
                   <a:solidFill>
                     <a:srgbClr val="000000"/>
                   </a:solidFill>
@@ -799,7 +803,7 @@
             </a:ln>
             <a:extLst>
               <a:ext uri="{91240B29-F687-4f45-9708-019B960494DF}">
-                <a14:hiddenLine xmlns:a14="http://schemas.microsoft.com/office/drawing/2010/main" xmlns="" w="9525">
+                <a14:hiddenLine xmlns="" xmlns:a14="http://schemas.microsoft.com/office/drawing/2010/main" w="9525">
                   <a:solidFill>
                     <a:srgbClr val="000000"/>
                   </a:solidFill>
@@ -889,7 +893,7 @@
             </a:ln>
             <a:extLst>
               <a:ext uri="{91240B29-F687-4f45-9708-019B960494DF}">
-                <a14:hiddenLine xmlns:a14="http://schemas.microsoft.com/office/drawing/2010/main" xmlns="" w="9525">
+                <a14:hiddenLine xmlns="" xmlns:a14="http://schemas.microsoft.com/office/drawing/2010/main" w="9525">
                   <a:solidFill>
                     <a:srgbClr val="000000"/>
                   </a:solidFill>
@@ -951,7 +955,7 @@
             </a:ln>
             <a:extLst>
               <a:ext uri="{91240B29-F687-4f45-9708-019B960494DF}">
-                <a14:hiddenLine xmlns:a14="http://schemas.microsoft.com/office/drawing/2010/main" xmlns="" w="9525">
+                <a14:hiddenLine xmlns="" xmlns:a14="http://schemas.microsoft.com/office/drawing/2010/main" w="9525">
                   <a:solidFill>
                     <a:srgbClr val="000000"/>
                   </a:solidFill>
@@ -1013,7 +1017,7 @@
             </a:ln>
             <a:extLst>
               <a:ext uri="{91240B29-F687-4f45-9708-019B960494DF}">
-                <a14:hiddenLine xmlns:a14="http://schemas.microsoft.com/office/drawing/2010/main" xmlns="" w="9525">
+                <a14:hiddenLine xmlns="" xmlns:a14="http://schemas.microsoft.com/office/drawing/2010/main" w="9525">
                   <a:solidFill>
                     <a:srgbClr val="000000"/>
                   </a:solidFill>
@@ -1103,7 +1107,7 @@
             </a:ln>
             <a:extLst>
               <a:ext uri="{91240B29-F687-4f45-9708-019B960494DF}">
-                <a14:hiddenLine xmlns:a14="http://schemas.microsoft.com/office/drawing/2010/main" xmlns="" w="9525">
+                <a14:hiddenLine xmlns="" xmlns:a14="http://schemas.microsoft.com/office/drawing/2010/main" w="9525">
                   <a:solidFill>
                     <a:srgbClr val="000000"/>
                   </a:solidFill>
@@ -1165,7 +1169,7 @@
             </a:ln>
             <a:extLst>
               <a:ext uri="{91240B29-F687-4f45-9708-019B960494DF}">
-                <a14:hiddenLine xmlns:a14="http://schemas.microsoft.com/office/drawing/2010/main" xmlns="" w="9525">
+                <a14:hiddenLine xmlns="" xmlns:a14="http://schemas.microsoft.com/office/drawing/2010/main" w="9525">
                   <a:solidFill>
                     <a:srgbClr val="000000"/>
                   </a:solidFill>
@@ -1227,7 +1231,7 @@
             </a:ln>
             <a:extLst>
               <a:ext uri="{91240B29-F687-4f45-9708-019B960494DF}">
-                <a14:hiddenLine xmlns:a14="http://schemas.microsoft.com/office/drawing/2010/main" xmlns="" w="9525">
+                <a14:hiddenLine xmlns="" xmlns:a14="http://schemas.microsoft.com/office/drawing/2010/main" w="9525">
                   <a:solidFill>
                     <a:srgbClr val="000000"/>
                   </a:solidFill>
@@ -1317,7 +1321,7 @@
             </a:ln>
             <a:extLst>
               <a:ext uri="{91240B29-F687-4f45-9708-019B960494DF}">
-                <a14:hiddenLine xmlns:a14="http://schemas.microsoft.com/office/drawing/2010/main" xmlns="" w="9525">
+                <a14:hiddenLine xmlns="" xmlns:a14="http://schemas.microsoft.com/office/drawing/2010/main" w="9525">
                   <a:solidFill>
                     <a:srgbClr val="000000"/>
                   </a:solidFill>
@@ -1407,7 +1411,7 @@
             </a:ln>
             <a:extLst>
               <a:ext uri="{91240B29-F687-4f45-9708-019B960494DF}">
-                <a14:hiddenLine xmlns:a14="http://schemas.microsoft.com/office/drawing/2010/main" xmlns="" w="9525">
+                <a14:hiddenLine xmlns="" xmlns:a14="http://schemas.microsoft.com/office/drawing/2010/main" w="9525">
                   <a:solidFill>
                     <a:srgbClr val="000000"/>
                   </a:solidFill>
@@ -1469,7 +1473,7 @@
             </a:ln>
             <a:extLst>
               <a:ext uri="{91240B29-F687-4f45-9708-019B960494DF}">
-                <a14:hiddenLine xmlns:a14="http://schemas.microsoft.com/office/drawing/2010/main" xmlns="" w="9525">
+                <a14:hiddenLine xmlns="" xmlns:a14="http://schemas.microsoft.com/office/drawing/2010/main" w="9525">
                   <a:solidFill>
                     <a:srgbClr val="000000"/>
                   </a:solidFill>
@@ -1579,7 +1583,7 @@
             </a:ln>
             <a:extLst>
               <a:ext uri="{91240B29-F687-4f45-9708-019B960494DF}">
-                <a14:hiddenLine xmlns:a14="http://schemas.microsoft.com/office/drawing/2010/main" xmlns="" w="9525">
+                <a14:hiddenLine xmlns="" xmlns:a14="http://schemas.microsoft.com/office/drawing/2010/main" w="9525">
                   <a:solidFill>
                     <a:srgbClr val="000000"/>
                   </a:solidFill>
@@ -1641,7 +1645,7 @@
             </a:ln>
             <a:extLst>
               <a:ext uri="{91240B29-F687-4f45-9708-019B960494DF}">
-                <a14:hiddenLine xmlns:a14="http://schemas.microsoft.com/office/drawing/2010/main" xmlns="" w="9525">
+                <a14:hiddenLine xmlns="" xmlns:a14="http://schemas.microsoft.com/office/drawing/2010/main" w="9525">
                   <a:solidFill>
                     <a:srgbClr val="000000"/>
                   </a:solidFill>
@@ -1731,7 +1735,7 @@
             </a:ln>
             <a:extLst>
               <a:ext uri="{91240B29-F687-4f45-9708-019B960494DF}">
-                <a14:hiddenLine xmlns:a14="http://schemas.microsoft.com/office/drawing/2010/main" xmlns="" w="9525">
+                <a14:hiddenLine xmlns="" xmlns:a14="http://schemas.microsoft.com/office/drawing/2010/main" w="9525">
                   <a:solidFill>
                     <a:srgbClr val="000000"/>
                   </a:solidFill>
@@ -1821,7 +1825,7 @@
             </a:ln>
             <a:extLst>
               <a:ext uri="{91240B29-F687-4f45-9708-019B960494DF}">
-                <a14:hiddenLine xmlns:a14="http://schemas.microsoft.com/office/drawing/2010/main" xmlns="" w="9525">
+                <a14:hiddenLine xmlns="" xmlns:a14="http://schemas.microsoft.com/office/drawing/2010/main" w="9525">
                   <a:solidFill>
                     <a:srgbClr val="000000"/>
                   </a:solidFill>
@@ -1883,7 +1887,7 @@
             </a:ln>
             <a:extLst>
               <a:ext uri="{91240B29-F687-4f45-9708-019B960494DF}">
-                <a14:hiddenLine xmlns:a14="http://schemas.microsoft.com/office/drawing/2010/main" xmlns="" w="9525">
+                <a14:hiddenLine xmlns="" xmlns:a14="http://schemas.microsoft.com/office/drawing/2010/main" w="9525">
                   <a:solidFill>
                     <a:srgbClr val="000000"/>
                   </a:solidFill>
@@ -1973,7 +1977,7 @@
             </a:ln>
             <a:extLst>
               <a:ext uri="{91240B29-F687-4f45-9708-019B960494DF}">
-                <a14:hiddenLine xmlns:a14="http://schemas.microsoft.com/office/drawing/2010/main" xmlns="" w="9525">
+                <a14:hiddenLine xmlns="" xmlns:a14="http://schemas.microsoft.com/office/drawing/2010/main" w="9525">
                   <a:solidFill>
                     <a:srgbClr val="000000"/>
                   </a:solidFill>
@@ -2063,7 +2067,7 @@
             </a:ln>
             <a:extLst>
               <a:ext uri="{91240B29-F687-4f45-9708-019B960494DF}">
-                <a14:hiddenLine xmlns:a14="http://schemas.microsoft.com/office/drawing/2010/main" xmlns="" w="9525">
+                <a14:hiddenLine xmlns="" xmlns:a14="http://schemas.microsoft.com/office/drawing/2010/main" w="9525">
                   <a:solidFill>
                     <a:srgbClr val="000000"/>
                   </a:solidFill>
@@ -2119,7 +2123,7 @@
             </a:ln>
             <a:extLst>
               <a:ext uri="{91240B29-F687-4f45-9708-019B960494DF}">
-                <a14:hiddenLine xmlns:a14="http://schemas.microsoft.com/office/drawing/2010/main" xmlns="" w="9525">
+                <a14:hiddenLine xmlns="" xmlns:a14="http://schemas.microsoft.com/office/drawing/2010/main" w="9525">
                   <a:solidFill>
                     <a:srgbClr val="000000"/>
                   </a:solidFill>
@@ -2209,7 +2213,7 @@
             </a:ln>
             <a:extLst>
               <a:ext uri="{91240B29-F687-4f45-9708-019B960494DF}">
-                <a14:hiddenLine xmlns:a14="http://schemas.microsoft.com/office/drawing/2010/main" xmlns="" w="9525">
+                <a14:hiddenLine xmlns="" xmlns:a14="http://schemas.microsoft.com/office/drawing/2010/main" w="9525">
                   <a:solidFill>
                     <a:srgbClr val="000000"/>
                   </a:solidFill>
@@ -2265,7 +2269,7 @@
             </a:ln>
             <a:extLst>
               <a:ext uri="{91240B29-F687-4f45-9708-019B960494DF}">
-                <a14:hiddenLine xmlns:a14="http://schemas.microsoft.com/office/drawing/2010/main" xmlns="" w="9525">
+                <a14:hiddenLine xmlns="" xmlns:a14="http://schemas.microsoft.com/office/drawing/2010/main" w="9525">
                   <a:solidFill>
                     <a:srgbClr val="000000"/>
                   </a:solidFill>
@@ -2355,7 +2359,7 @@
             </a:ln>
             <a:extLst>
               <a:ext uri="{91240B29-F687-4f45-9708-019B960494DF}">
-                <a14:hiddenLine xmlns:a14="http://schemas.microsoft.com/office/drawing/2010/main" xmlns="" w="9525">
+                <a14:hiddenLine xmlns="" xmlns:a14="http://schemas.microsoft.com/office/drawing/2010/main" w="9525">
                   <a:solidFill>
                     <a:srgbClr val="000000"/>
                   </a:solidFill>
@@ -2423,7 +2427,7 @@
             </a:ln>
             <a:extLst>
               <a:ext uri="{91240B29-F687-4f45-9708-019B960494DF}">
-                <a14:hiddenLine xmlns:a14="http://schemas.microsoft.com/office/drawing/2010/main" xmlns="" w="9525">
+                <a14:hiddenLine xmlns="" xmlns:a14="http://schemas.microsoft.com/office/drawing/2010/main" w="9525">
                   <a:solidFill>
                     <a:srgbClr val="000000"/>
                   </a:solidFill>
@@ -2513,7 +2517,7 @@
             </a:ln>
             <a:extLst>
               <a:ext uri="{91240B29-F687-4f45-9708-019B960494DF}">
-                <a14:hiddenLine xmlns:a14="http://schemas.microsoft.com/office/drawing/2010/main" xmlns="" w="9525">
+                <a14:hiddenLine xmlns="" xmlns:a14="http://schemas.microsoft.com/office/drawing/2010/main" w="9525">
                   <a:solidFill>
                     <a:srgbClr val="000000"/>
                   </a:solidFill>
@@ -2581,7 +2585,7 @@
             </a:ln>
             <a:extLst>
               <a:ext uri="{91240B29-F687-4f45-9708-019B960494DF}">
-                <a14:hiddenLine xmlns:a14="http://schemas.microsoft.com/office/drawing/2010/main" xmlns="" w="9525">
+                <a14:hiddenLine xmlns="" xmlns:a14="http://schemas.microsoft.com/office/drawing/2010/main" w="9525">
                   <a:solidFill>
                     <a:srgbClr val="000000"/>
                   </a:solidFill>
@@ -2671,7 +2675,7 @@
             </a:ln>
             <a:extLst>
               <a:ext uri="{91240B29-F687-4f45-9708-019B960494DF}">
-                <a14:hiddenLine xmlns:a14="http://schemas.microsoft.com/office/drawing/2010/main" xmlns="" w="9525">
+                <a14:hiddenLine xmlns="" xmlns:a14="http://schemas.microsoft.com/office/drawing/2010/main" w="9525">
                   <a:solidFill>
                     <a:srgbClr val="000000"/>
                   </a:solidFill>
@@ -2705,7 +2709,7 @@
             </a:ln>
             <a:extLst>
               <a:ext uri="{91240B29-F687-4f45-9708-019B960494DF}">
-                <a14:hiddenLine xmlns:a14="http://schemas.microsoft.com/office/drawing/2010/main" xmlns="" w="9525">
+                <a14:hiddenLine xmlns="" xmlns:a14="http://schemas.microsoft.com/office/drawing/2010/main" w="9525">
                   <a:solidFill>
                     <a:srgbClr val="000000"/>
                   </a:solidFill>
@@ -2795,7 +2799,7 @@
             </a:ln>
             <a:extLst>
               <a:ext uri="{91240B29-F687-4f45-9708-019B960494DF}">
-                <a14:hiddenLine xmlns:a14="http://schemas.microsoft.com/office/drawing/2010/main" xmlns="" w="9525">
+                <a14:hiddenLine xmlns="" xmlns:a14="http://schemas.microsoft.com/office/drawing/2010/main" w="9525">
                   <a:solidFill>
                     <a:srgbClr val="000000"/>
                   </a:solidFill>
@@ -2857,7 +2861,7 @@
             </a:ln>
             <a:extLst>
               <a:ext uri="{91240B29-F687-4f45-9708-019B960494DF}">
-                <a14:hiddenLine xmlns:a14="http://schemas.microsoft.com/office/drawing/2010/main" xmlns="" w="9525">
+                <a14:hiddenLine xmlns="" xmlns:a14="http://schemas.microsoft.com/office/drawing/2010/main" w="9525">
                   <a:solidFill>
                     <a:srgbClr val="000000"/>
                   </a:solidFill>
@@ -2919,7 +2923,7 @@
             </a:ln>
             <a:extLst>
               <a:ext uri="{91240B29-F687-4f45-9708-019B960494DF}">
-                <a14:hiddenLine xmlns:a14="http://schemas.microsoft.com/office/drawing/2010/main" xmlns="" w="9525">
+                <a14:hiddenLine xmlns="" xmlns:a14="http://schemas.microsoft.com/office/drawing/2010/main" w="9525">
                   <a:solidFill>
                     <a:srgbClr val="000000"/>
                   </a:solidFill>
@@ -3009,7 +3013,7 @@
             </a:ln>
             <a:extLst>
               <a:ext uri="{91240B29-F687-4f45-9708-019B960494DF}">
-                <a14:hiddenLine xmlns:a14="http://schemas.microsoft.com/office/drawing/2010/main" xmlns="" w="9525">
+                <a14:hiddenLine xmlns="" xmlns:a14="http://schemas.microsoft.com/office/drawing/2010/main" w="9525">
                   <a:solidFill>
                     <a:srgbClr val="000000"/>
                   </a:solidFill>
@@ -3077,7 +3081,7 @@
             </a:ln>
             <a:extLst>
               <a:ext uri="{91240B29-F687-4f45-9708-019B960494DF}">
-                <a14:hiddenLine xmlns:a14="http://schemas.microsoft.com/office/drawing/2010/main" xmlns="" w="9525">
+                <a14:hiddenLine xmlns="" xmlns:a14="http://schemas.microsoft.com/office/drawing/2010/main" w="9525">
                   <a:solidFill>
                     <a:srgbClr val="000000"/>
                   </a:solidFill>
@@ -3139,7 +3143,7 @@
             </a:ln>
             <a:extLst>
               <a:ext uri="{91240B29-F687-4f45-9708-019B960494DF}">
-                <a14:hiddenLine xmlns:a14="http://schemas.microsoft.com/office/drawing/2010/main" xmlns="" w="9525">
+                <a14:hiddenLine xmlns="" xmlns:a14="http://schemas.microsoft.com/office/drawing/2010/main" w="9525">
                   <a:solidFill>
                     <a:srgbClr val="000000"/>
                   </a:solidFill>
@@ -3229,7 +3233,7 @@
             </a:ln>
             <a:extLst>
               <a:ext uri="{91240B29-F687-4f45-9708-019B960494DF}">
-                <a14:hiddenLine xmlns:a14="http://schemas.microsoft.com/office/drawing/2010/main" xmlns="" w="9525">
+                <a14:hiddenLine xmlns="" xmlns:a14="http://schemas.microsoft.com/office/drawing/2010/main" w="9525">
                   <a:solidFill>
                     <a:srgbClr val="000000"/>
                   </a:solidFill>
@@ -3291,7 +3295,7 @@
             </a:ln>
             <a:extLst>
               <a:ext uri="{91240B29-F687-4f45-9708-019B960494DF}">
-                <a14:hiddenLine xmlns:a14="http://schemas.microsoft.com/office/drawing/2010/main" xmlns="" w="9525">
+                <a14:hiddenLine xmlns="" xmlns:a14="http://schemas.microsoft.com/office/drawing/2010/main" w="9525">
                   <a:solidFill>
                     <a:srgbClr val="000000"/>
                   </a:solidFill>
@@ -3381,7 +3385,7 @@
             </a:ln>
             <a:extLst>
               <a:ext uri="{91240B29-F687-4f45-9708-019B960494DF}">
-                <a14:hiddenLine xmlns:a14="http://schemas.microsoft.com/office/drawing/2010/main" xmlns="" w="9525">
+                <a14:hiddenLine xmlns="" xmlns:a14="http://schemas.microsoft.com/office/drawing/2010/main" w="9525">
                   <a:solidFill>
                     <a:srgbClr val="000000"/>
                   </a:solidFill>
@@ -3443,7 +3447,7 @@
             </a:ln>
             <a:extLst>
               <a:ext uri="{91240B29-F687-4f45-9708-019B960494DF}">
-                <a14:hiddenLine xmlns:a14="http://schemas.microsoft.com/office/drawing/2010/main" xmlns="" w="9525">
+                <a14:hiddenLine xmlns="" xmlns:a14="http://schemas.microsoft.com/office/drawing/2010/main" w="9525">
                   <a:solidFill>
                     <a:srgbClr val="000000"/>
                   </a:solidFill>
@@ -3533,7 +3537,7 @@
             </a:ln>
             <a:extLst>
               <a:ext uri="{91240B29-F687-4f45-9708-019B960494DF}">
-                <a14:hiddenLine xmlns:a14="http://schemas.microsoft.com/office/drawing/2010/main" xmlns="" w="9525">
+                <a14:hiddenLine xmlns="" xmlns:a14="http://schemas.microsoft.com/office/drawing/2010/main" w="9525">
                   <a:solidFill>
                     <a:srgbClr val="000000"/>
                   </a:solidFill>
@@ -3567,7 +3571,7 @@
             </a:ln>
             <a:extLst>
               <a:ext uri="{91240B29-F687-4f45-9708-019B960494DF}">
-                <a14:hiddenLine xmlns:a14="http://schemas.microsoft.com/office/drawing/2010/main" xmlns="" w="9525">
+                <a14:hiddenLine xmlns="" xmlns:a14="http://schemas.microsoft.com/office/drawing/2010/main" w="9525">
                   <a:solidFill>
                     <a:srgbClr val="000000"/>
                   </a:solidFill>
@@ -3632,7 +3636,7 @@
             </a:ln>
             <a:extLst>
               <a:ext uri="{91240B29-F687-4f45-9708-019B960494DF}">
-                <a14:hiddenLine xmlns:a14="http://schemas.microsoft.com/office/drawing/2010/main" xmlns="" w="9525">
+                <a14:hiddenLine xmlns="" xmlns:a14="http://schemas.microsoft.com/office/drawing/2010/main" w="9525">
                   <a:solidFill>
                     <a:srgbClr val="000000"/>
                   </a:solidFill>
@@ -3722,7 +3726,7 @@
             </a:ln>
             <a:extLst>
               <a:ext uri="{91240B29-F687-4f45-9708-019B960494DF}">
-                <a14:hiddenLine xmlns:a14="http://schemas.microsoft.com/office/drawing/2010/main" xmlns="" w="9525">
+                <a14:hiddenLine xmlns="" xmlns:a14="http://schemas.microsoft.com/office/drawing/2010/main" w="9525">
                   <a:solidFill>
                     <a:srgbClr val="000000"/>
                   </a:solidFill>
@@ -3784,7 +3788,7 @@
             </a:ln>
             <a:extLst>
               <a:ext uri="{91240B29-F687-4f45-9708-019B960494DF}">
-                <a14:hiddenLine xmlns:a14="http://schemas.microsoft.com/office/drawing/2010/main" xmlns="" w="9525">
+                <a14:hiddenLine xmlns="" xmlns:a14="http://schemas.microsoft.com/office/drawing/2010/main" w="9525">
                   <a:solidFill>
                     <a:srgbClr val="000000"/>
                   </a:solidFill>
@@ -3874,7 +3878,7 @@
             </a:ln>
             <a:extLst>
               <a:ext uri="{91240B29-F687-4f45-9708-019B960494DF}">
-                <a14:hiddenLine xmlns:a14="http://schemas.microsoft.com/office/drawing/2010/main" xmlns="" w="9525">
+                <a14:hiddenLine xmlns="" xmlns:a14="http://schemas.microsoft.com/office/drawing/2010/main" w="9525">
                   <a:solidFill>
                     <a:srgbClr val="000000"/>
                   </a:solidFill>
@@ -3964,7 +3968,7 @@
             </a:ln>
             <a:extLst>
               <a:ext uri="{91240B29-F687-4f45-9708-019B960494DF}">
-                <a14:hiddenLine xmlns:a14="http://schemas.microsoft.com/office/drawing/2010/main" xmlns="" w="9525">
+                <a14:hiddenLine xmlns="" xmlns:a14="http://schemas.microsoft.com/office/drawing/2010/main" w="9525">
                   <a:solidFill>
                     <a:srgbClr val="000000"/>
                   </a:solidFill>
@@ -4029,7 +4033,7 @@
             </a:ln>
             <a:extLst>
               <a:ext uri="{91240B29-F687-4f45-9708-019B960494DF}">
-                <a14:hiddenLine xmlns:a14="http://schemas.microsoft.com/office/drawing/2010/main" xmlns="" w="9525">
+                <a14:hiddenLine xmlns="" xmlns:a14="http://schemas.microsoft.com/office/drawing/2010/main" w="9525">
                   <a:solidFill>
                     <a:srgbClr val="000000"/>
                   </a:solidFill>
@@ -4091,7 +4095,7 @@
             </a:ln>
             <a:extLst>
               <a:ext uri="{91240B29-F687-4f45-9708-019B960494DF}">
-                <a14:hiddenLine xmlns:a14="http://schemas.microsoft.com/office/drawing/2010/main" xmlns="" w="9525">
+                <a14:hiddenLine xmlns="" xmlns:a14="http://schemas.microsoft.com/office/drawing/2010/main" w="9525">
                   <a:solidFill>
                     <a:srgbClr val="000000"/>
                   </a:solidFill>
@@ -4181,7 +4185,7 @@
             </a:ln>
             <a:extLst>
               <a:ext uri="{91240B29-F687-4f45-9708-019B960494DF}">
-                <a14:hiddenLine xmlns:a14="http://schemas.microsoft.com/office/drawing/2010/main" xmlns="" w="9525">
+                <a14:hiddenLine xmlns="" xmlns:a14="http://schemas.microsoft.com/office/drawing/2010/main" w="9525">
                   <a:solidFill>
                     <a:srgbClr val="000000"/>
                   </a:solidFill>
@@ -4271,7 +4275,7 @@
             </a:ln>
             <a:extLst>
               <a:ext uri="{91240B29-F687-4f45-9708-019B960494DF}">
-                <a14:hiddenLine xmlns:a14="http://schemas.microsoft.com/office/drawing/2010/main" xmlns="" w="9525">
+                <a14:hiddenLine xmlns="" xmlns:a14="http://schemas.microsoft.com/office/drawing/2010/main" w="9525">
                   <a:solidFill>
                     <a:srgbClr val="000000"/>
                   </a:solidFill>
@@ -4333,7 +4337,7 @@
             </a:ln>
             <a:extLst>
               <a:ext uri="{91240B29-F687-4f45-9708-019B960494DF}">
-                <a14:hiddenLine xmlns:a14="http://schemas.microsoft.com/office/drawing/2010/main" xmlns="" w="9525">
+                <a14:hiddenLine xmlns="" xmlns:a14="http://schemas.microsoft.com/office/drawing/2010/main" w="9525">
                   <a:solidFill>
                     <a:srgbClr val="000000"/>
                   </a:solidFill>
@@ -4453,7 +4457,7 @@
             </a:ln>
             <a:extLst>
               <a:ext uri="{91240B29-F687-4f45-9708-019B960494DF}">
-                <a14:hiddenLine xmlns:a14="http://schemas.microsoft.com/office/drawing/2010/main" xmlns="" w="9525">
+                <a14:hiddenLine xmlns="" xmlns:a14="http://schemas.microsoft.com/office/drawing/2010/main" w="9525">
                   <a:solidFill>
                     <a:srgbClr val="000000"/>
                   </a:solidFill>
@@ -4521,7 +4525,7 @@
             </a:ln>
             <a:extLst>
               <a:ext uri="{91240B29-F687-4f45-9708-019B960494DF}">
-                <a14:hiddenLine xmlns:a14="http://schemas.microsoft.com/office/drawing/2010/main" xmlns="" w="9525">
+                <a14:hiddenLine xmlns="" xmlns:a14="http://schemas.microsoft.com/office/drawing/2010/main" w="9525">
                   <a:solidFill>
                     <a:srgbClr val="000000"/>
                   </a:solidFill>
@@ -4611,7 +4615,7 @@
             </a:ln>
             <a:extLst>
               <a:ext uri="{91240B29-F687-4f45-9708-019B960494DF}">
-                <a14:hiddenLine xmlns:a14="http://schemas.microsoft.com/office/drawing/2010/main" xmlns="" w="9525">
+                <a14:hiddenLine xmlns="" xmlns:a14="http://schemas.microsoft.com/office/drawing/2010/main" w="9525">
                   <a:solidFill>
                     <a:srgbClr val="000000"/>
                   </a:solidFill>
@@ -9340,7 +9344,7 @@
           <a:noFill/>
           <a:extLst>
             <a:ext uri="{909E8E84-426E-40dd-AFC4-6F175D3DCCD1}">
-              <a14:hiddenFill xmlns:a14="http://schemas.microsoft.com/office/drawing/2010/main" xmlns="">
+              <a14:hiddenFill xmlns="" xmlns:a14="http://schemas.microsoft.com/office/drawing/2010/main">
                 <a:solidFill>
                   <a:srgbClr val="FFFFFF"/>
                 </a:solidFill>
@@ -9414,7 +9418,7 @@
               </a:ln>
               <a:extLst>
                 <a:ext uri="{91240B29-F687-4f45-9708-019B960494DF}">
-                  <a14:hiddenLine xmlns:a14="http://schemas.microsoft.com/office/drawing/2010/main" xmlns="" w="9525">
+                  <a14:hiddenLine xmlns="" xmlns:a14="http://schemas.microsoft.com/office/drawing/2010/main" w="9525">
                     <a:solidFill>
                       <a:srgbClr val="000000"/>
                     </a:solidFill>
@@ -9504,7 +9508,7 @@
               </a:ln>
               <a:extLst>
                 <a:ext uri="{91240B29-F687-4f45-9708-019B960494DF}">
-                  <a14:hiddenLine xmlns:a14="http://schemas.microsoft.com/office/drawing/2010/main" xmlns="" w="9525">
+                  <a14:hiddenLine xmlns="" xmlns:a14="http://schemas.microsoft.com/office/drawing/2010/main" w="9525">
                     <a:solidFill>
                       <a:srgbClr val="000000"/>
                     </a:solidFill>
@@ -9594,7 +9598,7 @@
               </a:ln>
               <a:extLst>
                 <a:ext uri="{91240B29-F687-4f45-9708-019B960494DF}">
-                  <a14:hiddenLine xmlns:a14="http://schemas.microsoft.com/office/drawing/2010/main" xmlns="" w="9525">
+                  <a14:hiddenLine xmlns="" xmlns:a14="http://schemas.microsoft.com/office/drawing/2010/main" w="9525">
                     <a:solidFill>
                       <a:srgbClr val="000000"/>
                     </a:solidFill>
@@ -9656,7 +9660,7 @@
               </a:ln>
               <a:extLst>
                 <a:ext uri="{91240B29-F687-4f45-9708-019B960494DF}">
-                  <a14:hiddenLine xmlns:a14="http://schemas.microsoft.com/office/drawing/2010/main" xmlns="" w="9525">
+                  <a14:hiddenLine xmlns="" xmlns:a14="http://schemas.microsoft.com/office/drawing/2010/main" w="9525">
                     <a:solidFill>
                       <a:srgbClr val="000000"/>
                     </a:solidFill>
@@ -9746,7 +9750,7 @@
               </a:ln>
               <a:extLst>
                 <a:ext uri="{91240B29-F687-4f45-9708-019B960494DF}">
-                  <a14:hiddenLine xmlns:a14="http://schemas.microsoft.com/office/drawing/2010/main" xmlns="" w="9525">
+                  <a14:hiddenLine xmlns="" xmlns:a14="http://schemas.microsoft.com/office/drawing/2010/main" w="9525">
                     <a:solidFill>
                       <a:srgbClr val="000000"/>
                     </a:solidFill>
@@ -9808,7 +9812,7 @@
               </a:ln>
               <a:extLst>
                 <a:ext uri="{91240B29-F687-4f45-9708-019B960494DF}">
-                  <a14:hiddenLine xmlns:a14="http://schemas.microsoft.com/office/drawing/2010/main" xmlns="" w="9525">
+                  <a14:hiddenLine xmlns="" xmlns:a14="http://schemas.microsoft.com/office/drawing/2010/main" w="9525">
                     <a:solidFill>
                       <a:srgbClr val="000000"/>
                     </a:solidFill>
@@ -9870,7 +9874,7 @@
               </a:ln>
               <a:extLst>
                 <a:ext uri="{91240B29-F687-4f45-9708-019B960494DF}">
-                  <a14:hiddenLine xmlns:a14="http://schemas.microsoft.com/office/drawing/2010/main" xmlns="" w="9525">
+                  <a14:hiddenLine xmlns="" xmlns:a14="http://schemas.microsoft.com/office/drawing/2010/main" w="9525">
                     <a:solidFill>
                       <a:srgbClr val="000000"/>
                     </a:solidFill>
@@ -9960,7 +9964,7 @@
               </a:ln>
               <a:extLst>
                 <a:ext uri="{91240B29-F687-4f45-9708-019B960494DF}">
-                  <a14:hiddenLine xmlns:a14="http://schemas.microsoft.com/office/drawing/2010/main" xmlns="" w="9525">
+                  <a14:hiddenLine xmlns="" xmlns:a14="http://schemas.microsoft.com/office/drawing/2010/main" w="9525">
                     <a:solidFill>
                       <a:srgbClr val="000000"/>
                     </a:solidFill>
@@ -10050,7 +10054,7 @@
               </a:ln>
               <a:extLst>
                 <a:ext uri="{91240B29-F687-4f45-9708-019B960494DF}">
-                  <a14:hiddenLine xmlns:a14="http://schemas.microsoft.com/office/drawing/2010/main" xmlns="" w="9525">
+                  <a14:hiddenLine xmlns="" xmlns:a14="http://schemas.microsoft.com/office/drawing/2010/main" w="9525">
                     <a:solidFill>
                       <a:srgbClr val="000000"/>
                     </a:solidFill>
@@ -10112,7 +10116,7 @@
               </a:ln>
               <a:extLst>
                 <a:ext uri="{91240B29-F687-4f45-9708-019B960494DF}">
-                  <a14:hiddenLine xmlns:a14="http://schemas.microsoft.com/office/drawing/2010/main" xmlns="" w="9525">
+                  <a14:hiddenLine xmlns="" xmlns:a14="http://schemas.microsoft.com/office/drawing/2010/main" w="9525">
                     <a:solidFill>
                       <a:srgbClr val="000000"/>
                     </a:solidFill>
@@ -10222,7 +10226,7 @@
               </a:ln>
               <a:extLst>
                 <a:ext uri="{91240B29-F687-4f45-9708-019B960494DF}">
-                  <a14:hiddenLine xmlns:a14="http://schemas.microsoft.com/office/drawing/2010/main" xmlns="" w="9525">
+                  <a14:hiddenLine xmlns="" xmlns:a14="http://schemas.microsoft.com/office/drawing/2010/main" w="9525">
                     <a:solidFill>
                       <a:srgbClr val="000000"/>
                     </a:solidFill>
@@ -10306,7 +10310,7 @@
               </a:ln>
               <a:extLst>
                 <a:ext uri="{91240B29-F687-4f45-9708-019B960494DF}">
-                  <a14:hiddenLine xmlns:a14="http://schemas.microsoft.com/office/drawing/2010/main" xmlns="" w="9525">
+                  <a14:hiddenLine xmlns="" xmlns:a14="http://schemas.microsoft.com/office/drawing/2010/main" w="9525">
                     <a:solidFill>
                       <a:srgbClr val="000000"/>
                     </a:solidFill>
@@ -10368,7 +10372,7 @@
               </a:ln>
               <a:extLst>
                 <a:ext uri="{91240B29-F687-4f45-9708-019B960494DF}">
-                  <a14:hiddenLine xmlns:a14="http://schemas.microsoft.com/office/drawing/2010/main" xmlns="" w="9525">
+                  <a14:hiddenLine xmlns="" xmlns:a14="http://schemas.microsoft.com/office/drawing/2010/main" w="9525">
                     <a:solidFill>
                       <a:srgbClr val="000000"/>
                     </a:solidFill>
@@ -10430,7 +10434,7 @@
               </a:ln>
               <a:extLst>
                 <a:ext uri="{91240B29-F687-4f45-9708-019B960494DF}">
-                  <a14:hiddenLine xmlns:a14="http://schemas.microsoft.com/office/drawing/2010/main" xmlns="" w="9525">
+                  <a14:hiddenLine xmlns="" xmlns:a14="http://schemas.microsoft.com/office/drawing/2010/main" w="9525">
                     <a:solidFill>
                       <a:srgbClr val="000000"/>
                     </a:solidFill>
@@ -10520,7 +10524,7 @@
               </a:ln>
               <a:extLst>
                 <a:ext uri="{91240B29-F687-4f45-9708-019B960494DF}">
-                  <a14:hiddenLine xmlns:a14="http://schemas.microsoft.com/office/drawing/2010/main" xmlns="" w="9525">
+                  <a14:hiddenLine xmlns="" xmlns:a14="http://schemas.microsoft.com/office/drawing/2010/main" w="9525">
                     <a:solidFill>
                       <a:srgbClr val="000000"/>
                     </a:solidFill>
@@ -10554,7 +10558,7 @@
               </a:ln>
               <a:extLst>
                 <a:ext uri="{91240B29-F687-4f45-9708-019B960494DF}">
-                  <a14:hiddenLine xmlns:a14="http://schemas.microsoft.com/office/drawing/2010/main" xmlns="" w="9525">
+                  <a14:hiddenLine xmlns="" xmlns:a14="http://schemas.microsoft.com/office/drawing/2010/main" w="9525">
                     <a:solidFill>
                       <a:srgbClr val="000000"/>
                     </a:solidFill>
@@ -10619,7 +10623,7 @@
               </a:ln>
               <a:extLst>
                 <a:ext uri="{91240B29-F687-4f45-9708-019B960494DF}">
-                  <a14:hiddenLine xmlns:a14="http://schemas.microsoft.com/office/drawing/2010/main" xmlns="" w="9525">
+                  <a14:hiddenLine xmlns="" xmlns:a14="http://schemas.microsoft.com/office/drawing/2010/main" w="9525">
                     <a:solidFill>
                       <a:srgbClr val="000000"/>
                     </a:solidFill>
@@ -10709,7 +10713,7 @@
               </a:ln>
               <a:extLst>
                 <a:ext uri="{91240B29-F687-4f45-9708-019B960494DF}">
-                  <a14:hiddenLine xmlns:a14="http://schemas.microsoft.com/office/drawing/2010/main" xmlns="" w="9525">
+                  <a14:hiddenLine xmlns="" xmlns:a14="http://schemas.microsoft.com/office/drawing/2010/main" w="9525">
                     <a:solidFill>
                       <a:srgbClr val="000000"/>
                     </a:solidFill>
@@ -10771,7 +10775,7 @@
               </a:ln>
               <a:extLst>
                 <a:ext uri="{91240B29-F687-4f45-9708-019B960494DF}">
-                  <a14:hiddenLine xmlns:a14="http://schemas.microsoft.com/office/drawing/2010/main" xmlns="" w="9525">
+                  <a14:hiddenLine xmlns="" xmlns:a14="http://schemas.microsoft.com/office/drawing/2010/main" w="9525">
                     <a:solidFill>
                       <a:srgbClr val="000000"/>
                     </a:solidFill>
@@ -10861,7 +10865,7 @@
               </a:ln>
               <a:extLst>
                 <a:ext uri="{91240B29-F687-4f45-9708-019B960494DF}">
-                  <a14:hiddenLine xmlns:a14="http://schemas.microsoft.com/office/drawing/2010/main" xmlns="" w="9525">
+                  <a14:hiddenLine xmlns="" xmlns:a14="http://schemas.microsoft.com/office/drawing/2010/main" w="9525">
                     <a:solidFill>
                       <a:srgbClr val="000000"/>
                     </a:solidFill>
@@ -10926,7 +10930,7 @@
               </a:ln>
               <a:extLst>
                 <a:ext uri="{91240B29-F687-4f45-9708-019B960494DF}">
-                  <a14:hiddenLine xmlns:a14="http://schemas.microsoft.com/office/drawing/2010/main" xmlns="" w="9525">
+                  <a14:hiddenLine xmlns="" xmlns:a14="http://schemas.microsoft.com/office/drawing/2010/main" w="9525">
                     <a:solidFill>
                       <a:srgbClr val="000000"/>
                     </a:solidFill>
@@ -10988,7 +10992,7 @@
               </a:ln>
               <a:extLst>
                 <a:ext uri="{91240B29-F687-4f45-9708-019B960494DF}">
-                  <a14:hiddenLine xmlns:a14="http://schemas.microsoft.com/office/drawing/2010/main" xmlns="" w="9525">
+                  <a14:hiddenLine xmlns="" xmlns:a14="http://schemas.microsoft.com/office/drawing/2010/main" w="9525">
                     <a:solidFill>
                       <a:srgbClr val="000000"/>
                     </a:solidFill>
@@ -11078,7 +11082,7 @@
               </a:ln>
               <a:extLst>
                 <a:ext uri="{91240B29-F687-4f45-9708-019B960494DF}">
-                  <a14:hiddenLine xmlns:a14="http://schemas.microsoft.com/office/drawing/2010/main" xmlns="" w="9525">
+                  <a14:hiddenLine xmlns="" xmlns:a14="http://schemas.microsoft.com/office/drawing/2010/main" w="9525">
                     <a:solidFill>
                       <a:srgbClr val="000000"/>
                     </a:solidFill>
@@ -11168,7 +11172,7 @@
               </a:ln>
               <a:extLst>
                 <a:ext uri="{91240B29-F687-4f45-9708-019B960494DF}">
-                  <a14:hiddenLine xmlns:a14="http://schemas.microsoft.com/office/drawing/2010/main" xmlns="" w="9525">
+                  <a14:hiddenLine xmlns="" xmlns:a14="http://schemas.microsoft.com/office/drawing/2010/main" w="9525">
                     <a:solidFill>
                       <a:srgbClr val="000000"/>
                     </a:solidFill>
@@ -11233,7 +11237,7 @@
               </a:ln>
               <a:extLst>
                 <a:ext uri="{91240B29-F687-4f45-9708-019B960494DF}">
-                  <a14:hiddenLine xmlns:a14="http://schemas.microsoft.com/office/drawing/2010/main" xmlns="" w="9525">
+                  <a14:hiddenLine xmlns="" xmlns:a14="http://schemas.microsoft.com/office/drawing/2010/main" w="9525">
                     <a:solidFill>
                       <a:srgbClr val="000000"/>
                     </a:solidFill>
@@ -11353,7 +11357,7 @@
               </a:ln>
               <a:extLst>
                 <a:ext uri="{91240B29-F687-4f45-9708-019B960494DF}">
-                  <a14:hiddenLine xmlns:a14="http://schemas.microsoft.com/office/drawing/2010/main" xmlns="" w="9525">
+                  <a14:hiddenLine xmlns="" xmlns:a14="http://schemas.microsoft.com/office/drawing/2010/main" w="9525">
                     <a:solidFill>
                       <a:srgbClr val="000000"/>
                     </a:solidFill>
@@ -11434,7 +11438,7 @@
               </a:ln>
               <a:extLst>
                 <a:ext uri="{91240B29-F687-4f45-9708-019B960494DF}">
-                  <a14:hiddenLine xmlns:a14="http://schemas.microsoft.com/office/drawing/2010/main" xmlns="" w="9525">
+                  <a14:hiddenLine xmlns="" xmlns:a14="http://schemas.microsoft.com/office/drawing/2010/main" w="9525">
                     <a:solidFill>
                       <a:srgbClr val="000000"/>
                     </a:solidFill>
@@ -11549,7 +11553,7 @@
               </a:ln>
               <a:extLst>
                 <a:ext uri="{91240B29-F687-4f45-9708-019B960494DF}">
-                  <a14:hiddenLine xmlns:a14="http://schemas.microsoft.com/office/drawing/2010/main" xmlns="" w="9525">
+                  <a14:hiddenLine xmlns="" xmlns:a14="http://schemas.microsoft.com/office/drawing/2010/main" w="9525">
                     <a:solidFill>
                       <a:srgbClr val="000000"/>
                     </a:solidFill>
@@ -11639,7 +11643,7 @@
               </a:ln>
               <a:extLst>
                 <a:ext uri="{91240B29-F687-4f45-9708-019B960494DF}">
-                  <a14:hiddenLine xmlns:a14="http://schemas.microsoft.com/office/drawing/2010/main" xmlns="" w="9525">
+                  <a14:hiddenLine xmlns="" xmlns:a14="http://schemas.microsoft.com/office/drawing/2010/main" w="9525">
                     <a:solidFill>
                       <a:srgbClr val="000000"/>
                     </a:solidFill>
@@ -11704,7 +11708,7 @@
               </a:ln>
               <a:extLst>
                 <a:ext uri="{91240B29-F687-4f45-9708-019B960494DF}">
-                  <a14:hiddenLine xmlns:a14="http://schemas.microsoft.com/office/drawing/2010/main" xmlns="" w="9525">
+                  <a14:hiddenLine xmlns="" xmlns:a14="http://schemas.microsoft.com/office/drawing/2010/main" w="9525">
                     <a:solidFill>
                       <a:srgbClr val="000000"/>
                     </a:solidFill>
@@ -11794,7 +11798,7 @@
               </a:ln>
               <a:extLst>
                 <a:ext uri="{91240B29-F687-4f45-9708-019B960494DF}">
-                  <a14:hiddenLine xmlns:a14="http://schemas.microsoft.com/office/drawing/2010/main" xmlns="" w="9525">
+                  <a14:hiddenLine xmlns="" xmlns:a14="http://schemas.microsoft.com/office/drawing/2010/main" w="9525">
                     <a:solidFill>
                       <a:srgbClr val="000000"/>
                     </a:solidFill>
@@ -11862,7 +11866,7 @@
               </a:ln>
               <a:extLst>
                 <a:ext uri="{91240B29-F687-4f45-9708-019B960494DF}">
-                  <a14:hiddenLine xmlns:a14="http://schemas.microsoft.com/office/drawing/2010/main" xmlns="" w="9525">
+                  <a14:hiddenLine xmlns="" xmlns:a14="http://schemas.microsoft.com/office/drawing/2010/main" w="9525">
                     <a:solidFill>
                       <a:srgbClr val="000000"/>
                     </a:solidFill>
@@ -11952,7 +11956,7 @@
               </a:ln>
               <a:extLst>
                 <a:ext uri="{91240B29-F687-4f45-9708-019B960494DF}">
-                  <a14:hiddenLine xmlns:a14="http://schemas.microsoft.com/office/drawing/2010/main" xmlns="" w="9525">
+                  <a14:hiddenLine xmlns="" xmlns:a14="http://schemas.microsoft.com/office/drawing/2010/main" w="9525">
                     <a:solidFill>
                       <a:srgbClr val="000000"/>
                     </a:solidFill>
@@ -12020,7 +12024,7 @@
               </a:ln>
               <a:extLst>
                 <a:ext uri="{91240B29-F687-4f45-9708-019B960494DF}">
-                  <a14:hiddenLine xmlns:a14="http://schemas.microsoft.com/office/drawing/2010/main" xmlns="" w="9525">
+                  <a14:hiddenLine xmlns="" xmlns:a14="http://schemas.microsoft.com/office/drawing/2010/main" w="9525">
                     <a:solidFill>
                       <a:srgbClr val="000000"/>
                     </a:solidFill>
@@ -12110,7 +12114,7 @@
               </a:ln>
               <a:extLst>
                 <a:ext uri="{91240B29-F687-4f45-9708-019B960494DF}">
-                  <a14:hiddenLine xmlns:a14="http://schemas.microsoft.com/office/drawing/2010/main" xmlns="" w="9525">
+                  <a14:hiddenLine xmlns="" xmlns:a14="http://schemas.microsoft.com/office/drawing/2010/main" w="9525">
                     <a:solidFill>
                       <a:srgbClr val="000000"/>
                     </a:solidFill>
@@ -12144,7 +12148,7 @@
               </a:ln>
               <a:extLst>
                 <a:ext uri="{91240B29-F687-4f45-9708-019B960494DF}">
-                  <a14:hiddenLine xmlns:a14="http://schemas.microsoft.com/office/drawing/2010/main" xmlns="" w="9525">
+                  <a14:hiddenLine xmlns="" xmlns:a14="http://schemas.microsoft.com/office/drawing/2010/main" w="9525">
                     <a:solidFill>
                       <a:srgbClr val="000000"/>
                     </a:solidFill>
@@ -12950,15 +12954,7 @@
             <a:pPr lvl="1"/>
             <a:r>
               <a:rPr lang="en-US" dirty="0"/>
-              <a:t>Directed </a:t>
-            </a:r>
-            <a:r>
-              <a:rPr lang="en-US"/>
-              <a:t>Edges to </a:t>
-            </a:r>
-            <a:r>
-              <a:rPr lang="en-US" dirty="0"/>
-              <a:t>Related Videos</a:t>
+              <a:t>Directed Edges to Related Videos</a:t>
             </a:r>
           </a:p>
           <a:p>
@@ -14641,7 +14637,7 @@
         </p:spPr>
         <p:txBody>
           <a:bodyPr>
-            <a:normAutofit/>
+            <a:normAutofit fontScale="92500"/>
           </a:bodyPr>
           <a:lstStyle/>
           <a:p>
@@ -14654,7 +14650,14 @@
             </a:r>
             <a:r>
               <a:rPr lang="en-US" dirty="0"/>
-              <a:t> Web crawl dataset from 2007 - 2008</a:t>
+              <a:t> Web crawl dataset from 2007 – 2008 (School of Computing Science - Simon Fraser University</a:t>
+            </a:r>
+            <a:br>
+              <a:rPr lang="en-US" dirty="0"/>
+            </a:br>
+            <a:r>
+              <a:rPr lang="en-US" dirty="0"/>
+              <a:t>British Columbia, Canada )</a:t>
             </a:r>
           </a:p>
           <a:p>
@@ -15779,7 +15782,7 @@
             <a:pPr lvl="0"/>
             <a:r>
               <a:rPr lang="en-US" dirty="0"/>
-              <a:t>Pipelining Tool – Luigi or DASK</a:t>
+              <a:t>Pipelining Tool – Luigi</a:t>
             </a:r>
           </a:p>
           <a:p>
@@ -15800,15 +15803,27 @@
             <a:pPr lvl="0"/>
             <a:r>
               <a:rPr lang="en-US" dirty="0"/>
-              <a:t>Database as a Service - AWS and/or </a:t>
+              <a:t>Database as a Service - AWS and </a:t>
             </a:r>
             <a:r>
               <a:rPr lang="en-US" dirty="0" err="1"/>
               <a:t>GrapheneDB</a:t>
             </a:r>
-            <a:endParaRPr lang="en-US" dirty="0"/>
-          </a:p>
-          <a:p>
+            <a:r>
+              <a:rPr lang="en-US" dirty="0"/>
+              <a:t>(might change based on </a:t>
+            </a:r>
+            <a:r>
+              <a:rPr lang="en-US" dirty="0" err="1"/>
+              <a:t>datasize</a:t>
+            </a:r>
+            <a:r>
+              <a:rPr lang="en-US" dirty="0"/>
+              <a:t>)</a:t>
+            </a:r>
+          </a:p>
+          <a:p>
+            <a:pPr lvl="0"/>
             <a:r>
               <a:rPr lang="en-US" dirty="0"/>
               <a:t>Machine Learning as a Service – Microsoft Azure ML Studio</a:t>
